--- a/2019-01-07  RIDE COORDINATOR REPORT.pptx
+++ b/2019-01-07  RIDE COORDINATOR REPORT.pptx
@@ -620,7 +620,7 @@
           <a:p>
             <a:fld id="{19BE6FA0-F35E-48E1-A110-E70CB9E926FC}" type="datetimeFigureOut">
               <a:rPr lang="en-US" smtClean="0"/>
-              <a:t>1/5/2019</a:t>
+              <a:t>1/13/19</a:t>
             </a:fld>
             <a:endParaRPr lang="en-US"/>
           </a:p>
@@ -921,7 +921,7 @@
           <a:p>
             <a:fld id="{19BE6FA0-F35E-48E1-A110-E70CB9E926FC}" type="datetimeFigureOut">
               <a:rPr lang="en-US" smtClean="0"/>
-              <a:t>1/5/2019</a:t>
+              <a:t>1/13/19</a:t>
             </a:fld>
             <a:endParaRPr lang="en-US"/>
           </a:p>
@@ -1169,7 +1169,7 @@
           <a:p>
             <a:fld id="{19BE6FA0-F35E-48E1-A110-E70CB9E926FC}" type="datetimeFigureOut">
               <a:rPr lang="en-US" smtClean="0"/>
-              <a:t>1/5/2019</a:t>
+              <a:t>1/13/19</a:t>
             </a:fld>
             <a:endParaRPr lang="en-US"/>
           </a:p>
@@ -1709,7 +1709,7 @@
           <a:p>
             <a:fld id="{19BE6FA0-F35E-48E1-A110-E70CB9E926FC}" type="datetimeFigureOut">
               <a:rPr lang="en-US" smtClean="0"/>
-              <a:t>1/5/2019</a:t>
+              <a:t>1/13/19</a:t>
             </a:fld>
             <a:endParaRPr lang="en-US"/>
           </a:p>
@@ -1957,7 +1957,7 @@
           <a:p>
             <a:fld id="{19BE6FA0-F35E-48E1-A110-E70CB9E926FC}" type="datetimeFigureOut">
               <a:rPr lang="en-US" smtClean="0"/>
-              <a:t>1/5/2019</a:t>
+              <a:t>1/13/19</a:t>
             </a:fld>
             <a:endParaRPr lang="en-US"/>
           </a:p>
@@ -2489,7 +2489,7 @@
           <a:p>
             <a:fld id="{19BE6FA0-F35E-48E1-A110-E70CB9E926FC}" type="datetimeFigureOut">
               <a:rPr lang="en-US" smtClean="0"/>
-              <a:t>1/5/2019</a:t>
+              <a:t>1/13/19</a:t>
             </a:fld>
             <a:endParaRPr lang="en-US"/>
           </a:p>
@@ -2786,7 +2786,7 @@
           <a:p>
             <a:fld id="{19BE6FA0-F35E-48E1-A110-E70CB9E926FC}" type="datetimeFigureOut">
               <a:rPr lang="en-US" smtClean="0"/>
-              <a:t>1/5/2019</a:t>
+              <a:t>1/13/19</a:t>
             </a:fld>
             <a:endParaRPr lang="en-US"/>
           </a:p>
@@ -2960,7 +2960,7 @@
           <a:p>
             <a:fld id="{19BE6FA0-F35E-48E1-A110-E70CB9E926FC}" type="datetimeFigureOut">
               <a:rPr lang="en-US" smtClean="0"/>
-              <a:t>1/5/2019</a:t>
+              <a:t>1/13/19</a:t>
             </a:fld>
             <a:endParaRPr lang="en-US"/>
           </a:p>
@@ -3140,7 +3140,7 @@
           <a:p>
             <a:fld id="{19BE6FA0-F35E-48E1-A110-E70CB9E926FC}" type="datetimeFigureOut">
               <a:rPr lang="en-US" smtClean="0"/>
-              <a:t>1/5/2019</a:t>
+              <a:t>1/13/19</a:t>
             </a:fld>
             <a:endParaRPr lang="en-US"/>
           </a:p>
@@ -3310,7 +3310,7 @@
           <a:p>
             <a:fld id="{19BE6FA0-F35E-48E1-A110-E70CB9E926FC}" type="datetimeFigureOut">
               <a:rPr lang="en-US" smtClean="0"/>
-              <a:t>1/5/2019</a:t>
+              <a:t>1/13/19</a:t>
             </a:fld>
             <a:endParaRPr lang="en-US"/>
           </a:p>
@@ -3561,7 +3561,7 @@
           <a:p>
             <a:fld id="{19BE6FA0-F35E-48E1-A110-E70CB9E926FC}" type="datetimeFigureOut">
               <a:rPr lang="en-US" smtClean="0"/>
-              <a:t>1/5/2019</a:t>
+              <a:t>1/13/19</a:t>
             </a:fld>
             <a:endParaRPr lang="en-US"/>
           </a:p>
@@ -3858,7 +3858,7 @@
           <a:p>
             <a:fld id="{19BE6FA0-F35E-48E1-A110-E70CB9E926FC}" type="datetimeFigureOut">
               <a:rPr lang="en-US" smtClean="0"/>
-              <a:t>1/5/2019</a:t>
+              <a:t>1/13/19</a:t>
             </a:fld>
             <a:endParaRPr lang="en-US"/>
           </a:p>
@@ -4300,7 +4300,7 @@
           <a:p>
             <a:fld id="{19BE6FA0-F35E-48E1-A110-E70CB9E926FC}" type="datetimeFigureOut">
               <a:rPr lang="en-US" smtClean="0"/>
-              <a:t>1/5/2019</a:t>
+              <a:t>1/13/19</a:t>
             </a:fld>
             <a:endParaRPr lang="en-US"/>
           </a:p>
@@ -4418,7 +4418,7 @@
           <a:p>
             <a:fld id="{19BE6FA0-F35E-48E1-A110-E70CB9E926FC}" type="datetimeFigureOut">
               <a:rPr lang="en-US" smtClean="0"/>
-              <a:t>1/5/2019</a:t>
+              <a:t>1/13/19</a:t>
             </a:fld>
             <a:endParaRPr lang="en-US"/>
           </a:p>
@@ -4513,7 +4513,7 @@
           <a:p>
             <a:fld id="{19BE6FA0-F35E-48E1-A110-E70CB9E926FC}" type="datetimeFigureOut">
               <a:rPr lang="en-US" smtClean="0"/>
-              <a:t>1/5/2019</a:t>
+              <a:t>1/13/19</a:t>
             </a:fld>
             <a:endParaRPr lang="en-US"/>
           </a:p>
@@ -4801,7 +4801,7 @@
           <a:p>
             <a:fld id="{19BE6FA0-F35E-48E1-A110-E70CB9E926FC}" type="datetimeFigureOut">
               <a:rPr lang="en-US" smtClean="0"/>
-              <a:t>1/5/2019</a:t>
+              <a:t>1/13/19</a:t>
             </a:fld>
             <a:endParaRPr lang="en-US"/>
           </a:p>
@@ -5097,7 +5097,7 @@
           <a:p>
             <a:fld id="{19BE6FA0-F35E-48E1-A110-E70CB9E926FC}" type="datetimeFigureOut">
               <a:rPr lang="en-US" smtClean="0"/>
-              <a:t>1/5/2019</a:t>
+              <a:t>1/13/19</a:t>
             </a:fld>
             <a:endParaRPr lang="en-US"/>
           </a:p>
@@ -5627,7 +5627,7 @@
           <a:p>
             <a:fld id="{19BE6FA0-F35E-48E1-A110-E70CB9E926FC}" type="datetimeFigureOut">
               <a:rPr lang="en-US" smtClean="0"/>
-              <a:t>1/5/2019</a:t>
+              <a:t>1/13/19</a:t>
             </a:fld>
             <a:endParaRPr lang="en-US"/>
           </a:p>
@@ -7514,8 +7514,13 @@
             </a:pPr>
             <a:r>
               <a:rPr lang="en-US" sz="2800" dirty="0"/>
-              <a:t>Encourage all ride leaders to take CPR course</a:t>
-            </a:r>
+              <a:t>Encourage all ride leaders to take CPR course. </a:t>
+            </a:r>
+            <a:r>
+              <a:rPr lang="en-US" sz="2800"/>
+              <a:t>Extremely worthwhile. </a:t>
+            </a:r>
+            <a:endParaRPr lang="en-US" sz="2800" dirty="0"/>
           </a:p>
           <a:p>
             <a:pPr marL="457200" indent="-457200" algn="ctr">
